--- a/doc/Babylon studio presentation.pptx
+++ b/doc/Babylon studio presentation.pptx
@@ -1,6 +1,6 @@
 
 <file path=ppt/presentation.xml><?xml version="1.0" encoding="utf-8"?>
-<p:presentation xmlns:a="http://schemas.openxmlformats.org/drawingml/2006/main" xmlns:r="http://schemas.openxmlformats.org/officeDocument/2006/relationships" xmlns:p="http://schemas.openxmlformats.org/presentationml/2006/main" saveSubsetFonts="1">
+<p:presentation xmlns:a="http://schemas.openxmlformats.org/drawingml/2006/main" xmlns:r="http://schemas.openxmlformats.org/officeDocument/2006/relationships" xmlns:p="http://schemas.openxmlformats.org/presentationml/2006/main" serverZoom="28641" saveSubsetFonts="1">
   <p:sldMasterIdLst>
     <p:sldMasterId id="2147484335" r:id="rId1"/>
   </p:sldMasterIdLst>
@@ -8327,7 +8327,7 @@
         </p:nvSpPr>
         <p:spPr>
           <a:xfrm>
-            <a:off x="680319" y="296028"/>
+            <a:off x="634883" y="121733"/>
             <a:ext cx="9613861" cy="1080938"/>
           </a:xfrm>
         </p:spPr>
@@ -8373,37 +8373,31 @@
       </p:sp>
       <p:pic>
         <p:nvPicPr>
-          <p:cNvPr id="4" name="Imagen 3">
+          <p:cNvPr id="6" name="Imagen 5">
             <a:extLst>
               <a:ext uri="{FF2B5EF4-FFF2-40B4-BE49-F238E27FC236}">
-                <a16:creationId xmlns:a16="http://schemas.microsoft.com/office/drawing/2014/main" id="{473987E1-5825-E941-8104-A200BDCCFB92}"/>
+                <a16:creationId xmlns:a16="http://schemas.microsoft.com/office/drawing/2014/main" id="{2483FEAC-D85B-4642-AF45-E8C3B960F181}"/>
               </a:ext>
             </a:extLst>
           </p:cNvPr>
-          <p:cNvPicPr/>
+          <p:cNvPicPr>
+            <a:picLocks noChangeAspect="1"/>
+          </p:cNvPicPr>
           <p:nvPr/>
         </p:nvPicPr>
         <p:blipFill rotWithShape="1">
           <a:blip r:embed="rId2"/>
-          <a:srcRect l="10777" t="16280" r="1581" b="5311"/>
+          <a:srcRect l="11319" t="15736" r="1150" b="12712"/>
           <a:stretch/>
         </p:blipFill>
-        <p:spPr bwMode="auto">
-          <a:xfrm>
-            <a:off x="578720" y="1148366"/>
-            <a:ext cx="10635380" cy="5519134"/>
+        <p:spPr>
+          <a:xfrm>
+            <a:off x="210459" y="1149406"/>
+            <a:ext cx="11771082" cy="5412566"/>
           </a:xfrm>
           <a:prstGeom prst="rect">
             <a:avLst/>
           </a:prstGeom>
-          <a:ln>
-            <a:noFill/>
-          </a:ln>
-          <a:extLst>
-            <a:ext uri="{53640926-AAD7-44D8-BBD7-CCE9431645EC}">
-              <a14:shadowObscured xmlns:a14="http://schemas.microsoft.com/office/drawing/2010/main"/>
-            </a:ext>
-          </a:extLst>
         </p:spPr>
       </p:pic>
     </p:spTree>

--- a/doc/Babylon studio presentation.pptx
+++ b/doc/Babylon studio presentation.pptx
@@ -390,7 +390,7 @@
           <a:p>
             <a:fld id="{1C98F3CC-CA5B-BA4B-BAD5-C648455EC89A}" type="datetimeFigureOut">
               <a:rPr lang="es-ES" smtClean="0"/>
-              <a:t>13/02/2018</a:t>
+              <a:t>15/02/2018</a:t>
             </a:fld>
             <a:endParaRPr lang="es-ES"/>
           </a:p>
@@ -804,7 +804,7 @@
           <a:p>
             <a:fld id="{1C98F3CC-CA5B-BA4B-BAD5-C648455EC89A}" type="datetimeFigureOut">
               <a:rPr lang="es-ES" smtClean="0"/>
-              <a:t>13/02/2018</a:t>
+              <a:t>15/02/2018</a:t>
             </a:fld>
             <a:endParaRPr lang="es-ES"/>
           </a:p>
@@ -1140,7 +1140,7 @@
           <a:p>
             <a:fld id="{1C98F3CC-CA5B-BA4B-BAD5-C648455EC89A}" type="datetimeFigureOut">
               <a:rPr lang="es-ES" smtClean="0"/>
-              <a:t>13/02/2018</a:t>
+              <a:t>15/02/2018</a:t>
             </a:fld>
             <a:endParaRPr lang="es-ES"/>
           </a:p>
@@ -1545,7 +1545,7 @@
           <a:p>
             <a:fld id="{1C98F3CC-CA5B-BA4B-BAD5-C648455EC89A}" type="datetimeFigureOut">
               <a:rPr lang="es-ES" smtClean="0"/>
-              <a:t>13/02/2018</a:t>
+              <a:t>15/02/2018</a:t>
             </a:fld>
             <a:endParaRPr lang="es-ES"/>
           </a:p>
@@ -2113,7 +2113,7 @@
           <a:p>
             <a:fld id="{1C98F3CC-CA5B-BA4B-BAD5-C648455EC89A}" type="datetimeFigureOut">
               <a:rPr lang="es-ES" smtClean="0"/>
-              <a:t>13/02/2018</a:t>
+              <a:t>15/02/2018</a:t>
             </a:fld>
             <a:endParaRPr lang="es-ES"/>
           </a:p>
@@ -2794,7 +2794,7 @@
           <a:p>
             <a:fld id="{1C98F3CC-CA5B-BA4B-BAD5-C648455EC89A}" type="datetimeFigureOut">
               <a:rPr lang="es-ES" smtClean="0"/>
-              <a:t>13/02/2018</a:t>
+              <a:t>15/02/2018</a:t>
             </a:fld>
             <a:endParaRPr lang="es-ES"/>
           </a:p>
@@ -3707,7 +3707,7 @@
           <a:p>
             <a:fld id="{1C98F3CC-CA5B-BA4B-BAD5-C648455EC89A}" type="datetimeFigureOut">
               <a:rPr lang="es-ES" smtClean="0"/>
-              <a:t>13/02/2018</a:t>
+              <a:t>15/02/2018</a:t>
             </a:fld>
             <a:endParaRPr lang="es-ES"/>
           </a:p>
@@ -4020,7 +4020,7 @@
           <a:p>
             <a:fld id="{1C98F3CC-CA5B-BA4B-BAD5-C648455EC89A}" type="datetimeFigureOut">
               <a:rPr lang="es-ES" smtClean="0"/>
-              <a:t>13/02/2018</a:t>
+              <a:t>15/02/2018</a:t>
             </a:fld>
             <a:endParaRPr lang="es-ES"/>
           </a:p>
@@ -4284,7 +4284,7 @@
           <a:p>
             <a:fld id="{1C98F3CC-CA5B-BA4B-BAD5-C648455EC89A}" type="datetimeFigureOut">
               <a:rPr lang="es-ES" smtClean="0"/>
-              <a:t>13/02/2018</a:t>
+              <a:t>15/02/2018</a:t>
             </a:fld>
             <a:endParaRPr lang="es-ES"/>
           </a:p>
@@ -4607,7 +4607,7 @@
           <a:p>
             <a:fld id="{1C98F3CC-CA5B-BA4B-BAD5-C648455EC89A}" type="datetimeFigureOut">
               <a:rPr lang="es-ES" smtClean="0"/>
-              <a:t>13/02/2018</a:t>
+              <a:t>15/02/2018</a:t>
             </a:fld>
             <a:endParaRPr lang="es-ES"/>
           </a:p>
@@ -4996,7 +4996,7 @@
           <a:p>
             <a:fld id="{1C98F3CC-CA5B-BA4B-BAD5-C648455EC89A}" type="datetimeFigureOut">
               <a:rPr lang="es-ES" smtClean="0"/>
-              <a:t>13/02/2018</a:t>
+              <a:t>15/02/2018</a:t>
             </a:fld>
             <a:endParaRPr lang="es-ES"/>
           </a:p>
@@ -5372,7 +5372,7 @@
           <a:p>
             <a:fld id="{1C98F3CC-CA5B-BA4B-BAD5-C648455EC89A}" type="datetimeFigureOut">
               <a:rPr lang="es-ES" smtClean="0"/>
-              <a:t>13/02/2018</a:t>
+              <a:t>15/02/2018</a:t>
             </a:fld>
             <a:endParaRPr lang="es-ES"/>
           </a:p>
@@ -5878,7 +5878,7 @@
           <a:p>
             <a:fld id="{1C98F3CC-CA5B-BA4B-BAD5-C648455EC89A}" type="datetimeFigureOut">
               <a:rPr lang="es-ES" smtClean="0"/>
-              <a:t>13/02/2018</a:t>
+              <a:t>15/02/2018</a:t>
             </a:fld>
             <a:endParaRPr lang="es-ES"/>
           </a:p>
@@ -6135,7 +6135,7 @@
           <a:p>
             <a:fld id="{1C98F3CC-CA5B-BA4B-BAD5-C648455EC89A}" type="datetimeFigureOut">
               <a:rPr lang="es-ES" smtClean="0"/>
-              <a:t>13/02/2018</a:t>
+              <a:t>15/02/2018</a:t>
             </a:fld>
             <a:endParaRPr lang="es-ES"/>
           </a:p>
@@ -6298,7 +6298,7 @@
           <a:p>
             <a:fld id="{1C98F3CC-CA5B-BA4B-BAD5-C648455EC89A}" type="datetimeFigureOut">
               <a:rPr lang="es-ES" smtClean="0"/>
-              <a:t>13/02/2018</a:t>
+              <a:t>15/02/2018</a:t>
             </a:fld>
             <a:endParaRPr lang="es-ES"/>
           </a:p>
@@ -6688,7 +6688,7 @@
           <a:p>
             <a:fld id="{1C98F3CC-CA5B-BA4B-BAD5-C648455EC89A}" type="datetimeFigureOut">
               <a:rPr lang="es-ES" smtClean="0"/>
-              <a:t>13/02/2018</a:t>
+              <a:t>15/02/2018</a:t>
             </a:fld>
             <a:endParaRPr lang="es-ES"/>
           </a:p>
@@ -7097,7 +7097,7 @@
           <a:p>
             <a:fld id="{1C98F3CC-CA5B-BA4B-BAD5-C648455EC89A}" type="datetimeFigureOut">
               <a:rPr lang="es-ES" smtClean="0"/>
-              <a:t>13/02/2018</a:t>
+              <a:t>15/02/2018</a:t>
             </a:fld>
             <a:endParaRPr lang="es-ES"/>
           </a:p>
@@ -7341,7 +7341,7 @@
           <a:p>
             <a:fld id="{1C98F3CC-CA5B-BA4B-BAD5-C648455EC89A}" type="datetimeFigureOut">
               <a:rPr lang="es-ES" smtClean="0"/>
-              <a:t>13/02/2018</a:t>
+              <a:t>15/02/2018</a:t>
             </a:fld>
             <a:endParaRPr lang="es-ES"/>
           </a:p>
@@ -8002,7 +8002,7 @@
             </a:r>
             <a:r>
               <a:rPr lang="en-US" dirty="0"/>
-              <a:t>histories</a:t>
+              <a:t>histories </a:t>
             </a:r>
           </a:p>
           <a:p>
@@ -8024,6 +8024,21 @@
             <a:r>
               <a:rPr lang="en-US" dirty="0"/>
               <a:t>Enables the doctors to check their pending appointments</a:t>
+            </a:r>
+          </a:p>
+          <a:p>
+            <a:pPr algn="just"/>
+            <a:r>
+              <a:rPr lang="en-US" dirty="0"/>
+              <a:t>Enables the doctors to update the </a:t>
+            </a:r>
+            <a:r>
+              <a:rPr lang="en-US" dirty="0" err="1"/>
+              <a:t>patients´clinical</a:t>
+            </a:r>
+            <a:r>
+              <a:rPr lang="en-US" dirty="0"/>
+              <a:t> histories</a:t>
             </a:r>
           </a:p>
           <a:p>
@@ -8373,10 +8388,10 @@
       </p:sp>
       <p:pic>
         <p:nvPicPr>
-          <p:cNvPr id="6" name="Imagen 5">
+          <p:cNvPr id="4" name="Imagen 3">
             <a:extLst>
               <a:ext uri="{FF2B5EF4-FFF2-40B4-BE49-F238E27FC236}">
-                <a16:creationId xmlns:a16="http://schemas.microsoft.com/office/drawing/2014/main" id="{2483FEAC-D85B-4642-AF45-E8C3B960F181}"/>
+                <a16:creationId xmlns:a16="http://schemas.microsoft.com/office/drawing/2014/main" id="{FC3A2C80-AFB0-402C-8E48-DA9FEED52055}"/>
               </a:ext>
             </a:extLst>
           </p:cNvPr>
@@ -8387,13 +8402,13 @@
         </p:nvPicPr>
         <p:blipFill rotWithShape="1">
           <a:blip r:embed="rId2"/>
-          <a:srcRect l="11319" t="15736" r="1150" b="12712"/>
+          <a:srcRect l="11040" t="15652" r="1755" b="12050"/>
           <a:stretch/>
         </p:blipFill>
         <p:spPr>
           <a:xfrm>
-            <a:off x="210459" y="1149406"/>
-            <a:ext cx="11771082" cy="5412566"/>
+            <a:off x="348343" y="1034325"/>
+            <a:ext cx="11495314" cy="5360795"/>
           </a:xfrm>
           <a:prstGeom prst="rect">
             <a:avLst/>

--- a/doc/Babylon studio presentation.pptx
+++ b/doc/Babylon studio presentation.pptx
@@ -10,6 +10,9 @@
     <p:sldId id="257" r:id="rId4"/>
     <p:sldId id="260" r:id="rId5"/>
     <p:sldId id="258" r:id="rId6"/>
+    <p:sldId id="261" r:id="rId7"/>
+    <p:sldId id="262" r:id="rId8"/>
+    <p:sldId id="264" r:id="rId9"/>
   </p:sldIdLst>
   <p:sldSz cx="12192000" cy="6858000"/>
   <p:notesSz cx="6858000" cy="9144000"/>
@@ -390,7 +393,7 @@
           <a:p>
             <a:fld id="{1C98F3CC-CA5B-BA4B-BAD5-C648455EC89A}" type="datetimeFigureOut">
               <a:rPr lang="es-ES" smtClean="0"/>
-              <a:t>15/02/2018</a:t>
+              <a:t>16/02/2018</a:t>
             </a:fld>
             <a:endParaRPr lang="es-ES"/>
           </a:p>
@@ -804,7 +807,7 @@
           <a:p>
             <a:fld id="{1C98F3CC-CA5B-BA4B-BAD5-C648455EC89A}" type="datetimeFigureOut">
               <a:rPr lang="es-ES" smtClean="0"/>
-              <a:t>15/02/2018</a:t>
+              <a:t>16/02/2018</a:t>
             </a:fld>
             <a:endParaRPr lang="es-ES"/>
           </a:p>
@@ -1140,7 +1143,7 @@
           <a:p>
             <a:fld id="{1C98F3CC-CA5B-BA4B-BAD5-C648455EC89A}" type="datetimeFigureOut">
               <a:rPr lang="es-ES" smtClean="0"/>
-              <a:t>15/02/2018</a:t>
+              <a:t>16/02/2018</a:t>
             </a:fld>
             <a:endParaRPr lang="es-ES"/>
           </a:p>
@@ -1545,7 +1548,7 @@
           <a:p>
             <a:fld id="{1C98F3CC-CA5B-BA4B-BAD5-C648455EC89A}" type="datetimeFigureOut">
               <a:rPr lang="es-ES" smtClean="0"/>
-              <a:t>15/02/2018</a:t>
+              <a:t>16/02/2018</a:t>
             </a:fld>
             <a:endParaRPr lang="es-ES"/>
           </a:p>
@@ -2113,7 +2116,7 @@
           <a:p>
             <a:fld id="{1C98F3CC-CA5B-BA4B-BAD5-C648455EC89A}" type="datetimeFigureOut">
               <a:rPr lang="es-ES" smtClean="0"/>
-              <a:t>15/02/2018</a:t>
+              <a:t>16/02/2018</a:t>
             </a:fld>
             <a:endParaRPr lang="es-ES"/>
           </a:p>
@@ -2794,7 +2797,7 @@
           <a:p>
             <a:fld id="{1C98F3CC-CA5B-BA4B-BAD5-C648455EC89A}" type="datetimeFigureOut">
               <a:rPr lang="es-ES" smtClean="0"/>
-              <a:t>15/02/2018</a:t>
+              <a:t>16/02/2018</a:t>
             </a:fld>
             <a:endParaRPr lang="es-ES"/>
           </a:p>
@@ -3707,7 +3710,7 @@
           <a:p>
             <a:fld id="{1C98F3CC-CA5B-BA4B-BAD5-C648455EC89A}" type="datetimeFigureOut">
               <a:rPr lang="es-ES" smtClean="0"/>
-              <a:t>15/02/2018</a:t>
+              <a:t>16/02/2018</a:t>
             </a:fld>
             <a:endParaRPr lang="es-ES"/>
           </a:p>
@@ -4020,7 +4023,7 @@
           <a:p>
             <a:fld id="{1C98F3CC-CA5B-BA4B-BAD5-C648455EC89A}" type="datetimeFigureOut">
               <a:rPr lang="es-ES" smtClean="0"/>
-              <a:t>15/02/2018</a:t>
+              <a:t>16/02/2018</a:t>
             </a:fld>
             <a:endParaRPr lang="es-ES"/>
           </a:p>
@@ -4284,7 +4287,7 @@
           <a:p>
             <a:fld id="{1C98F3CC-CA5B-BA4B-BAD5-C648455EC89A}" type="datetimeFigureOut">
               <a:rPr lang="es-ES" smtClean="0"/>
-              <a:t>15/02/2018</a:t>
+              <a:t>16/02/2018</a:t>
             </a:fld>
             <a:endParaRPr lang="es-ES"/>
           </a:p>
@@ -4607,7 +4610,7 @@
           <a:p>
             <a:fld id="{1C98F3CC-CA5B-BA4B-BAD5-C648455EC89A}" type="datetimeFigureOut">
               <a:rPr lang="es-ES" smtClean="0"/>
-              <a:t>15/02/2018</a:t>
+              <a:t>16/02/2018</a:t>
             </a:fld>
             <a:endParaRPr lang="es-ES"/>
           </a:p>
@@ -4996,7 +4999,7 @@
           <a:p>
             <a:fld id="{1C98F3CC-CA5B-BA4B-BAD5-C648455EC89A}" type="datetimeFigureOut">
               <a:rPr lang="es-ES" smtClean="0"/>
-              <a:t>15/02/2018</a:t>
+              <a:t>16/02/2018</a:t>
             </a:fld>
             <a:endParaRPr lang="es-ES"/>
           </a:p>
@@ -5372,7 +5375,7 @@
           <a:p>
             <a:fld id="{1C98F3CC-CA5B-BA4B-BAD5-C648455EC89A}" type="datetimeFigureOut">
               <a:rPr lang="es-ES" smtClean="0"/>
-              <a:t>15/02/2018</a:t>
+              <a:t>16/02/2018</a:t>
             </a:fld>
             <a:endParaRPr lang="es-ES"/>
           </a:p>
@@ -5878,7 +5881,7 @@
           <a:p>
             <a:fld id="{1C98F3CC-CA5B-BA4B-BAD5-C648455EC89A}" type="datetimeFigureOut">
               <a:rPr lang="es-ES" smtClean="0"/>
-              <a:t>15/02/2018</a:t>
+              <a:t>16/02/2018</a:t>
             </a:fld>
             <a:endParaRPr lang="es-ES"/>
           </a:p>
@@ -6135,7 +6138,7 @@
           <a:p>
             <a:fld id="{1C98F3CC-CA5B-BA4B-BAD5-C648455EC89A}" type="datetimeFigureOut">
               <a:rPr lang="es-ES" smtClean="0"/>
-              <a:t>15/02/2018</a:t>
+              <a:t>16/02/2018</a:t>
             </a:fld>
             <a:endParaRPr lang="es-ES"/>
           </a:p>
@@ -6298,7 +6301,7 @@
           <a:p>
             <a:fld id="{1C98F3CC-CA5B-BA4B-BAD5-C648455EC89A}" type="datetimeFigureOut">
               <a:rPr lang="es-ES" smtClean="0"/>
-              <a:t>15/02/2018</a:t>
+              <a:t>16/02/2018</a:t>
             </a:fld>
             <a:endParaRPr lang="es-ES"/>
           </a:p>
@@ -6688,7 +6691,7 @@
           <a:p>
             <a:fld id="{1C98F3CC-CA5B-BA4B-BAD5-C648455EC89A}" type="datetimeFigureOut">
               <a:rPr lang="es-ES" smtClean="0"/>
-              <a:t>15/02/2018</a:t>
+              <a:t>16/02/2018</a:t>
             </a:fld>
             <a:endParaRPr lang="es-ES"/>
           </a:p>
@@ -7097,7 +7100,7 @@
           <a:p>
             <a:fld id="{1C98F3CC-CA5B-BA4B-BAD5-C648455EC89A}" type="datetimeFigureOut">
               <a:rPr lang="es-ES" smtClean="0"/>
-              <a:t>15/02/2018</a:t>
+              <a:t>16/02/2018</a:t>
             </a:fld>
             <a:endParaRPr lang="es-ES"/>
           </a:p>
@@ -7341,7 +7344,7 @@
           <a:p>
             <a:fld id="{1C98F3CC-CA5B-BA4B-BAD5-C648455EC89A}" type="datetimeFigureOut">
               <a:rPr lang="es-ES" smtClean="0"/>
-              <a:t>15/02/2018</a:t>
+              <a:t>16/02/2018</a:t>
             </a:fld>
             <a:endParaRPr lang="es-ES"/>
           </a:p>
@@ -7843,7 +7846,7 @@
 </file>
 
 <file path=ppt/slides/slide2.xml><?xml version="1.0" encoding="utf-8"?>
-<p:sld xmlns:a="http://schemas.openxmlformats.org/drawingml/2006/main" xmlns:r="http://schemas.openxmlformats.org/officeDocument/2006/relationships" xmlns:p="http://schemas.openxmlformats.org/presentationml/2006/main">
+<p:sld xmlns:a="http://schemas.openxmlformats.org/drawingml/2006/main" xmlns:r="http://schemas.openxmlformats.org/officeDocument/2006/relationships" xmlns:p="http://schemas.openxmlformats.org/presentationml/2006/main" showMasterSp="0">
   <p:cSld>
     <p:spTree>
       <p:nvGrpSpPr>
@@ -7859,56 +7862,76 @@
           <a:chExt cx="0" cy="0"/>
         </a:xfrm>
       </p:grpSpPr>
-      <p:sp>
-        <p:nvSpPr>
-          <p:cNvPr id="2" name="Título 1">
+      <p:pic>
+        <p:nvPicPr>
+          <p:cNvPr id="5" name="Marcador de contenido 4">
             <a:extLst>
               <a:ext uri="{FF2B5EF4-FFF2-40B4-BE49-F238E27FC236}">
-                <a16:creationId xmlns:a16="http://schemas.microsoft.com/office/drawing/2014/main" id="{2315967F-20A6-364C-B7F6-655B3785AAFB}"/>
+                <a16:creationId xmlns:a16="http://schemas.microsoft.com/office/drawing/2014/main" id="{4F3384DF-96C4-468B-B183-99A692D58838}"/>
               </a:ext>
             </a:extLst>
           </p:cNvPr>
-          <p:cNvSpPr>
-            <a:spLocks noGrp="1"/>
-          </p:cNvSpPr>
-          <p:nvPr>
-            <p:ph type="title"/>
-          </p:nvPr>
-        </p:nvSpPr>
-        <p:spPr/>
-        <p:txBody>
-          <a:bodyPr/>
-          <a:lstStyle/>
-          <a:p>
-            <a:r>
-              <a:rPr lang="en-US" dirty="0"/>
-              <a:t>Name</a:t>
-            </a:r>
-          </a:p>
-        </p:txBody>
-      </p:sp>
-      <p:sp>
-        <p:nvSpPr>
-          <p:cNvPr id="3" name="Marcador de contenido 2">
+          <p:cNvPicPr>
+            <a:picLocks noGrp="1" noChangeAspect="1"/>
+          </p:cNvPicPr>
+          <p:nvPr>
+            <p:ph idx="1"/>
+          </p:nvPr>
+        </p:nvPicPr>
+        <p:blipFill>
+          <a:blip r:embed="rId2">
+            <a:extLst>
+              <a:ext uri="{28A0092B-C50C-407E-A947-70E740481C1C}">
+                <a14:useLocalDpi xmlns:a14="http://schemas.microsoft.com/office/drawing/2010/main" val="0"/>
+              </a:ext>
+            </a:extLst>
+          </a:blip>
+          <a:stretch>
+            <a:fillRect/>
+          </a:stretch>
+        </p:blipFill>
+        <p:spPr>
+          <a:xfrm>
+            <a:off x="5581723" y="762379"/>
+            <a:ext cx="3692906" cy="5211764"/>
+          </a:xfrm>
+        </p:spPr>
+      </p:pic>
+      <p:sp>
+        <p:nvSpPr>
+          <p:cNvPr id="6" name="CuadroTexto 5">
             <a:extLst>
               <a:ext uri="{FF2B5EF4-FFF2-40B4-BE49-F238E27FC236}">
-                <a16:creationId xmlns:a16="http://schemas.microsoft.com/office/drawing/2014/main" id="{BE063650-B951-F84A-8036-FA2295389AC2}"/>
+                <a16:creationId xmlns:a16="http://schemas.microsoft.com/office/drawing/2014/main" id="{C41C0C9A-9353-416D-B632-52912A697F4F}"/>
               </a:ext>
             </a:extLst>
           </p:cNvPr>
-          <p:cNvSpPr>
-            <a:spLocks noGrp="1"/>
-          </p:cNvSpPr>
-          <p:nvPr>
-            <p:ph idx="1"/>
-          </p:nvPr>
-        </p:nvSpPr>
-        <p:spPr/>
-        <p:txBody>
-          <a:bodyPr/>
+          <p:cNvSpPr txBox="1"/>
+          <p:nvPr/>
+        </p:nvSpPr>
+        <p:spPr>
+          <a:xfrm>
+            <a:off x="646151" y="823527"/>
+            <a:ext cx="2880000" cy="1008000"/>
+          </a:xfrm>
+          <a:prstGeom prst="rect">
+            <a:avLst/>
+          </a:prstGeom>
+          <a:solidFill>
+            <a:schemeClr val="bg1"/>
+          </a:solidFill>
+        </p:spPr>
+        <p:txBody>
+          <a:bodyPr wrap="square" rtlCol="0">
+            <a:spAutoFit/>
+          </a:bodyPr>
           <a:lstStyle/>
           <a:p>
-            <a:endParaRPr lang="es-ES" dirty="0"/>
+            <a:r>
+              <a:rPr lang="es-ES" sz="3600" dirty="0" err="1"/>
+              <a:t>Name</a:t>
+            </a:r>
+            <a:endParaRPr lang="es-ES" sz="3600" dirty="0"/>
           </a:p>
         </p:txBody>
       </p:sp>
@@ -8009,7 +8032,7 @@
             <a:pPr algn="just"/>
             <a:r>
               <a:rPr lang="en-US" dirty="0"/>
-              <a:t>Access to the clinical history of patients</a:t>
+              <a:t>Access to clinical histories of patients</a:t>
             </a:r>
           </a:p>
           <a:p>
@@ -8128,7 +8151,7 @@
         </p:nvSpPr>
         <p:spPr>
           <a:xfrm>
-            <a:off x="7037009" y="1580853"/>
+            <a:off x="6978220" y="2355007"/>
             <a:ext cx="3720075" cy="4247317"/>
           </a:xfrm>
           <a:prstGeom prst="rect">
@@ -8291,6 +8314,53 @@
               <a:buChar char="-"/>
             </a:pPr>
             <a:endParaRPr lang="es-ES" dirty="0"/>
+          </a:p>
+        </p:txBody>
+      </p:sp>
+      <p:sp>
+        <p:nvSpPr>
+          <p:cNvPr id="2" name="CuadroTexto 1">
+            <a:extLst>
+              <a:ext uri="{FF2B5EF4-FFF2-40B4-BE49-F238E27FC236}">
+                <a16:creationId xmlns:a16="http://schemas.microsoft.com/office/drawing/2014/main" id="{23B53C43-2C09-489A-9CA2-D00D58AE5366}"/>
+              </a:ext>
+            </a:extLst>
+          </p:cNvPr>
+          <p:cNvSpPr txBox="1"/>
+          <p:nvPr/>
+        </p:nvSpPr>
+        <p:spPr>
+          <a:xfrm>
+            <a:off x="6170798" y="482443"/>
+            <a:ext cx="5471511" cy="1008000"/>
+          </a:xfrm>
+          <a:prstGeom prst="rect">
+            <a:avLst/>
+          </a:prstGeom>
+          <a:solidFill>
+            <a:schemeClr val="bg1"/>
+          </a:solidFill>
+          <a:ln>
+            <a:solidFill>
+              <a:schemeClr val="bg1"/>
+            </a:solidFill>
+          </a:ln>
+        </p:spPr>
+        <p:txBody>
+          <a:bodyPr wrap="square" rtlCol="0">
+            <a:spAutoFit/>
+          </a:bodyPr>
+          <a:lstStyle/>
+          <a:p>
+            <a:r>
+              <a:rPr lang="es-ES" sz="3600" dirty="0"/>
+              <a:t>ER </a:t>
+            </a:r>
+            <a:r>
+              <a:rPr lang="es-ES" sz="3600" dirty="0" err="1"/>
+              <a:t>Diagram</a:t>
+            </a:r>
+            <a:endParaRPr lang="es-ES" sz="3600" dirty="0"/>
           </a:p>
         </p:txBody>
       </p:sp>
@@ -8419,6 +8489,342 @@
     <p:extLst>
       <p:ext uri="{BB962C8B-B14F-4D97-AF65-F5344CB8AC3E}">
         <p14:creationId xmlns:p14="http://schemas.microsoft.com/office/powerpoint/2010/main" val="2339967967"/>
+      </p:ext>
+    </p:extLst>
+  </p:cSld>
+  <p:clrMapOvr>
+    <a:masterClrMapping/>
+  </p:clrMapOvr>
+</p:sld>
+</file>
+
+<file path=ppt/slides/slide6.xml><?xml version="1.0" encoding="utf-8"?>
+<p:sld xmlns:a="http://schemas.openxmlformats.org/drawingml/2006/main" xmlns:r="http://schemas.openxmlformats.org/officeDocument/2006/relationships" xmlns:p="http://schemas.openxmlformats.org/presentationml/2006/main">
+  <p:cSld>
+    <p:spTree>
+      <p:nvGrpSpPr>
+        <p:cNvPr id="1" name=""/>
+        <p:cNvGrpSpPr/>
+        <p:nvPr/>
+      </p:nvGrpSpPr>
+      <p:grpSpPr>
+        <a:xfrm>
+          <a:off x="0" y="0"/>
+          <a:ext cx="0" cy="0"/>
+          <a:chOff x="0" y="0"/>
+          <a:chExt cx="0" cy="0"/>
+        </a:xfrm>
+      </p:grpSpPr>
+      <p:sp>
+        <p:nvSpPr>
+          <p:cNvPr id="2" name="Título 1">
+            <a:extLst>
+              <a:ext uri="{FF2B5EF4-FFF2-40B4-BE49-F238E27FC236}">
+                <a16:creationId xmlns:a16="http://schemas.microsoft.com/office/drawing/2014/main" id="{AFBC83E7-F33F-4F15-8FC4-8CE0CC1DE206}"/>
+              </a:ext>
+            </a:extLst>
+          </p:cNvPr>
+          <p:cNvSpPr>
+            <a:spLocks noGrp="1"/>
+          </p:cNvSpPr>
+          <p:nvPr>
+            <p:ph type="title"/>
+          </p:nvPr>
+        </p:nvSpPr>
+        <p:spPr/>
+        <p:txBody>
+          <a:bodyPr/>
+          <a:lstStyle/>
+          <a:p>
+            <a:r>
+              <a:rPr lang="es-ES" dirty="0" err="1"/>
+              <a:t>User</a:t>
+            </a:r>
+            <a:r>
+              <a:rPr lang="es-ES" dirty="0"/>
+              <a:t> interface</a:t>
+            </a:r>
+          </a:p>
+        </p:txBody>
+      </p:sp>
+      <p:pic>
+        <p:nvPicPr>
+          <p:cNvPr id="10" name="Imagen 9">
+            <a:extLst>
+              <a:ext uri="{FF2B5EF4-FFF2-40B4-BE49-F238E27FC236}">
+                <a16:creationId xmlns:a16="http://schemas.microsoft.com/office/drawing/2014/main" id="{ADC65B2C-2F2D-42D6-A400-1BF0E56A28C4}"/>
+              </a:ext>
+            </a:extLst>
+          </p:cNvPr>
+          <p:cNvPicPr>
+            <a:picLocks noChangeAspect="1"/>
+          </p:cNvPicPr>
+          <p:nvPr/>
+        </p:nvPicPr>
+        <p:blipFill>
+          <a:blip r:embed="rId2">
+            <a:extLst>
+              <a:ext uri="{28A0092B-C50C-407E-A947-70E740481C1C}">
+                <a14:useLocalDpi xmlns:a14="http://schemas.microsoft.com/office/drawing/2010/main" val="0"/>
+              </a:ext>
+            </a:extLst>
+          </a:blip>
+          <a:stretch>
+            <a:fillRect/>
+          </a:stretch>
+        </p:blipFill>
+        <p:spPr>
+          <a:xfrm>
+            <a:off x="292690" y="2484453"/>
+            <a:ext cx="6573167" cy="4153480"/>
+          </a:xfrm>
+          <a:prstGeom prst="rect">
+            <a:avLst/>
+          </a:prstGeom>
+        </p:spPr>
+      </p:pic>
+      <p:pic>
+        <p:nvPicPr>
+          <p:cNvPr id="14" name="Imagen 13">
+            <a:extLst>
+              <a:ext uri="{FF2B5EF4-FFF2-40B4-BE49-F238E27FC236}">
+                <a16:creationId xmlns:a16="http://schemas.microsoft.com/office/drawing/2014/main" id="{D532B6EA-FCA1-4359-9F7C-E958DEC511AE}"/>
+              </a:ext>
+            </a:extLst>
+          </p:cNvPr>
+          <p:cNvPicPr>
+            <a:picLocks noChangeAspect="1"/>
+          </p:cNvPicPr>
+          <p:nvPr/>
+        </p:nvPicPr>
+        <p:blipFill>
+          <a:blip r:embed="rId3">
+            <a:extLst>
+              <a:ext uri="{28A0092B-C50C-407E-A947-70E740481C1C}">
+                <a14:useLocalDpi xmlns:a14="http://schemas.microsoft.com/office/drawing/2010/main" val="0"/>
+              </a:ext>
+            </a:extLst>
+          </a:blip>
+          <a:stretch>
+            <a:fillRect/>
+          </a:stretch>
+        </p:blipFill>
+        <p:spPr>
+          <a:xfrm>
+            <a:off x="5487251" y="106095"/>
+            <a:ext cx="6573167" cy="4153480"/>
+          </a:xfrm>
+          <a:prstGeom prst="rect">
+            <a:avLst/>
+          </a:prstGeom>
+        </p:spPr>
+      </p:pic>
+    </p:spTree>
+    <p:extLst>
+      <p:ext uri="{BB962C8B-B14F-4D97-AF65-F5344CB8AC3E}">
+        <p14:creationId xmlns:p14="http://schemas.microsoft.com/office/powerpoint/2010/main" val="3867108882"/>
+      </p:ext>
+    </p:extLst>
+  </p:cSld>
+  <p:clrMapOvr>
+    <a:masterClrMapping/>
+  </p:clrMapOvr>
+</p:sld>
+</file>
+
+<file path=ppt/slides/slide7.xml><?xml version="1.0" encoding="utf-8"?>
+<p:sld xmlns:a="http://schemas.openxmlformats.org/drawingml/2006/main" xmlns:r="http://schemas.openxmlformats.org/officeDocument/2006/relationships" xmlns:p="http://schemas.openxmlformats.org/presentationml/2006/main" showMasterSp="0">
+  <p:cSld>
+    <p:spTree>
+      <p:nvGrpSpPr>
+        <p:cNvPr id="1" name=""/>
+        <p:cNvGrpSpPr/>
+        <p:nvPr/>
+      </p:nvGrpSpPr>
+      <p:grpSpPr>
+        <a:xfrm>
+          <a:off x="0" y="0"/>
+          <a:ext cx="0" cy="0"/>
+          <a:chOff x="0" y="0"/>
+          <a:chExt cx="0" cy="0"/>
+        </a:xfrm>
+      </p:grpSpPr>
+      <p:pic>
+        <p:nvPicPr>
+          <p:cNvPr id="3" name="Imagen 2">
+            <a:extLst>
+              <a:ext uri="{FF2B5EF4-FFF2-40B4-BE49-F238E27FC236}">
+                <a16:creationId xmlns:a16="http://schemas.microsoft.com/office/drawing/2014/main" id="{6AEB12A7-E233-4A15-B8FB-496D11D8BA59}"/>
+              </a:ext>
+            </a:extLst>
+          </p:cNvPr>
+          <p:cNvPicPr>
+            <a:picLocks noChangeAspect="1"/>
+          </p:cNvPicPr>
+          <p:nvPr/>
+        </p:nvPicPr>
+        <p:blipFill>
+          <a:blip r:embed="rId2">
+            <a:extLst>
+              <a:ext uri="{28A0092B-C50C-407E-A947-70E740481C1C}">
+                <a14:useLocalDpi xmlns:a14="http://schemas.microsoft.com/office/drawing/2010/main" val="0"/>
+              </a:ext>
+            </a:extLst>
+          </a:blip>
+          <a:stretch>
+            <a:fillRect/>
+          </a:stretch>
+        </p:blipFill>
+        <p:spPr>
+          <a:xfrm>
+            <a:off x="73866" y="96221"/>
+            <a:ext cx="6574908" cy="4154579"/>
+          </a:xfrm>
+          <a:prstGeom prst="rect">
+            <a:avLst/>
+          </a:prstGeom>
+        </p:spPr>
+      </p:pic>
+      <p:pic>
+        <p:nvPicPr>
+          <p:cNvPr id="4" name="Imagen 3">
+            <a:extLst>
+              <a:ext uri="{FF2B5EF4-FFF2-40B4-BE49-F238E27FC236}">
+                <a16:creationId xmlns:a16="http://schemas.microsoft.com/office/drawing/2014/main" id="{F1678775-2FFE-4117-998B-BEF94388979D}"/>
+              </a:ext>
+            </a:extLst>
+          </p:cNvPr>
+          <p:cNvPicPr>
+            <a:picLocks noChangeAspect="1"/>
+          </p:cNvPicPr>
+          <p:nvPr/>
+        </p:nvPicPr>
+        <p:blipFill>
+          <a:blip r:embed="rId3">
+            <a:extLst>
+              <a:ext uri="{28A0092B-C50C-407E-A947-70E740481C1C}">
+                <a14:useLocalDpi xmlns:a14="http://schemas.microsoft.com/office/drawing/2010/main" val="0"/>
+              </a:ext>
+            </a:extLst>
+          </a:blip>
+          <a:stretch>
+            <a:fillRect/>
+          </a:stretch>
+        </p:blipFill>
+        <p:spPr>
+          <a:xfrm>
+            <a:off x="5440994" y="2512854"/>
+            <a:ext cx="6574908" cy="4154579"/>
+          </a:xfrm>
+          <a:prstGeom prst="rect">
+            <a:avLst/>
+          </a:prstGeom>
+        </p:spPr>
+      </p:pic>
+    </p:spTree>
+    <p:extLst>
+      <p:ext uri="{BB962C8B-B14F-4D97-AF65-F5344CB8AC3E}">
+        <p14:creationId xmlns:p14="http://schemas.microsoft.com/office/powerpoint/2010/main" val="1058892830"/>
+      </p:ext>
+    </p:extLst>
+  </p:cSld>
+  <p:clrMapOvr>
+    <a:masterClrMapping/>
+  </p:clrMapOvr>
+</p:sld>
+</file>
+
+<file path=ppt/slides/slide8.xml><?xml version="1.0" encoding="utf-8"?>
+<p:sld xmlns:a="http://schemas.openxmlformats.org/drawingml/2006/main" xmlns:r="http://schemas.openxmlformats.org/officeDocument/2006/relationships" xmlns:p="http://schemas.openxmlformats.org/presentationml/2006/main" showMasterSp="0">
+  <p:cSld>
+    <p:spTree>
+      <p:nvGrpSpPr>
+        <p:cNvPr id="1" name=""/>
+        <p:cNvGrpSpPr/>
+        <p:nvPr/>
+      </p:nvGrpSpPr>
+      <p:grpSpPr>
+        <a:xfrm>
+          <a:off x="0" y="0"/>
+          <a:ext cx="0" cy="0"/>
+          <a:chOff x="0" y="0"/>
+          <a:chExt cx="0" cy="0"/>
+        </a:xfrm>
+      </p:grpSpPr>
+      <p:sp>
+        <p:nvSpPr>
+          <p:cNvPr id="2" name="Título 1">
+            <a:extLst>
+              <a:ext uri="{FF2B5EF4-FFF2-40B4-BE49-F238E27FC236}">
+                <a16:creationId xmlns:a16="http://schemas.microsoft.com/office/drawing/2014/main" id="{7F9EBE97-26AD-4EA3-855F-2601BDC22046}"/>
+              </a:ext>
+            </a:extLst>
+          </p:cNvPr>
+          <p:cNvSpPr>
+            <a:spLocks noGrp="1"/>
+          </p:cNvSpPr>
+          <p:nvPr>
+            <p:ph type="title"/>
+          </p:nvPr>
+        </p:nvSpPr>
+        <p:spPr>
+          <a:xfrm>
+            <a:off x="1289069" y="2394604"/>
+            <a:ext cx="9613861" cy="1800000"/>
+          </a:xfrm>
+          <a:solidFill>
+            <a:schemeClr val="bg1"/>
+          </a:solidFill>
+        </p:spPr>
+        <p:txBody>
+          <a:bodyPr/>
+          <a:lstStyle/>
+          <a:p>
+            <a:pPr algn="ctr"/>
+            <a:r>
+              <a:rPr lang="es-ES" dirty="0" err="1"/>
+              <a:t>Thank</a:t>
+            </a:r>
+            <a:r>
+              <a:rPr lang="es-ES" dirty="0"/>
+              <a:t> </a:t>
+            </a:r>
+            <a:r>
+              <a:rPr lang="es-ES" dirty="0" err="1"/>
+              <a:t>you</a:t>
+            </a:r>
+            <a:r>
+              <a:rPr lang="es-ES" dirty="0"/>
+              <a:t> </a:t>
+            </a:r>
+            <a:r>
+              <a:rPr lang="es-ES" dirty="0" err="1"/>
+              <a:t>for</a:t>
+            </a:r>
+            <a:r>
+              <a:rPr lang="es-ES" dirty="0"/>
+              <a:t> </a:t>
+            </a:r>
+            <a:r>
+              <a:rPr lang="es-ES" dirty="0" err="1"/>
+              <a:t>your</a:t>
+            </a:r>
+            <a:r>
+              <a:rPr lang="es-ES" dirty="0"/>
+              <a:t> </a:t>
+            </a:r>
+            <a:r>
+              <a:rPr lang="es-ES" dirty="0" err="1"/>
+              <a:t>attention</a:t>
+            </a:r>
+            <a:endParaRPr lang="es-ES" dirty="0"/>
+          </a:p>
+        </p:txBody>
+      </p:sp>
+    </p:spTree>
+    <p:extLst>
+      <p:ext uri="{BB962C8B-B14F-4D97-AF65-F5344CB8AC3E}">
+        <p14:creationId xmlns:p14="http://schemas.microsoft.com/office/powerpoint/2010/main" val="534402904"/>
       </p:ext>
     </p:extLst>
   </p:cSld>
